--- a/Instructions.pptx
+++ b/Instructions.pptx
@@ -3363,10 +3363,39 @@
           <a:lstStyle/>
           <a:p>
             <a:r>
-              <a:rPr lang="en-NZ" sz="7900" dirty="0" smtClean="0">
-                <a:solidFill>
-                  <a:srgbClr val="C00000"/>
-                </a:solidFill>
+              <a:rPr lang="en-NZ" sz="7200" dirty="0" smtClean="0">
+                <a:ln w="1905"/>
+                <a:gradFill>
+                  <a:gsLst>
+                    <a:gs pos="0">
+                      <a:schemeClr val="accent6">
+                        <a:shade val="20000"/>
+                        <a:satMod val="200000"/>
+                      </a:schemeClr>
+                    </a:gs>
+                    <a:gs pos="78000">
+                      <a:schemeClr val="accent6">
+                        <a:tint val="90000"/>
+                        <a:shade val="89000"/>
+                        <a:satMod val="220000"/>
+                      </a:schemeClr>
+                    </a:gs>
+                    <a:gs pos="100000">
+                      <a:schemeClr val="accent6">
+                        <a:tint val="12000"/>
+                        <a:satMod val="255000"/>
+                      </a:schemeClr>
+                    </a:gs>
+                  </a:gsLst>
+                  <a:lin ang="5400000"/>
+                </a:gradFill>
+                <a:effectLst>
+                  <a:innerShdw blurRad="69850" dist="43180" dir="5400000">
+                    <a:srgbClr val="000000">
+                      <a:alpha val="65000"/>
+                    </a:srgbClr>
+                  </a:innerShdw>
+                </a:effectLst>
                 <a:latin typeface="Gang of Three" panose="02000000000000000000" pitchFamily="2" charset="0"/>
               </a:rPr>
               <a:t>About Game</a:t>
@@ -3544,13 +3573,80 @@
           <a:lstStyle/>
           <a:p>
             <a:r>
-              <a:rPr lang="en-NZ" sz="7900" dirty="0" smtClean="0">
-                <a:solidFill>
-                  <a:srgbClr val="C00000"/>
-                </a:solidFill>
+              <a:rPr lang="en-NZ" sz="7200" dirty="0" smtClean="0">
+                <a:ln w="1905"/>
+                <a:gradFill>
+                  <a:gsLst>
+                    <a:gs pos="0">
+                      <a:schemeClr val="accent6">
+                        <a:shade val="20000"/>
+                        <a:satMod val="200000"/>
+                      </a:schemeClr>
+                    </a:gs>
+                    <a:gs pos="78000">
+                      <a:schemeClr val="accent6">
+                        <a:tint val="90000"/>
+                        <a:shade val="89000"/>
+                        <a:satMod val="220000"/>
+                      </a:schemeClr>
+                    </a:gs>
+                    <a:gs pos="100000">
+                      <a:schemeClr val="accent6">
+                        <a:tint val="12000"/>
+                        <a:satMod val="255000"/>
+                      </a:schemeClr>
+                    </a:gs>
+                  </a:gsLst>
+                  <a:lin ang="5400000"/>
+                </a:gradFill>
+                <a:effectLst>
+                  <a:innerShdw blurRad="69850" dist="43180" dir="5400000">
+                    <a:srgbClr val="000000">
+                      <a:alpha val="65000"/>
+                    </a:srgbClr>
+                  </a:innerShdw>
+                </a:effectLst>
                 <a:latin typeface="Gang of Three" panose="02000000000000000000" pitchFamily="2" charset="0"/>
               </a:rPr>
-              <a:t>Team Asia fun time</a:t>
+              <a:t>Team Asia </a:t>
+            </a:r>
+            <a:r>
+              <a:rPr lang="en-NZ" sz="7200" smtClean="0">
+                <a:ln w="1905"/>
+                <a:gradFill>
+                  <a:gsLst>
+                    <a:gs pos="0">
+                      <a:schemeClr val="accent6">
+                        <a:shade val="20000"/>
+                        <a:satMod val="200000"/>
+                      </a:schemeClr>
+                    </a:gs>
+                    <a:gs pos="78000">
+                      <a:schemeClr val="accent6">
+                        <a:tint val="90000"/>
+                        <a:shade val="89000"/>
+                        <a:satMod val="220000"/>
+                      </a:schemeClr>
+                    </a:gs>
+                    <a:gs pos="100000">
+                      <a:schemeClr val="accent6">
+                        <a:tint val="12000"/>
+                        <a:satMod val="255000"/>
+                      </a:schemeClr>
+                    </a:gs>
+                  </a:gsLst>
+                  <a:lin ang="5400000"/>
+                </a:gradFill>
+                <a:effectLst>
+                  <a:innerShdw blurRad="69850" dist="43180" dir="5400000">
+                    <a:srgbClr val="000000">
+                      <a:alpha val="65000"/>
+                    </a:srgbClr>
+                  </a:innerShdw>
+                </a:effectLst>
+                <a:latin typeface="Gang of Three" panose="02000000000000000000" pitchFamily="2" charset="0"/>
+              </a:rPr>
+              <a:t>Fun Time</a:t>
             </a:r>
             <a:endParaRPr lang="en-GB" sz="7900" dirty="0"/>
           </a:p>
@@ -3607,26 +3703,17 @@
           </a:p>
           <a:p>
             <a:r>
-              <a:rPr lang="en-NZ" sz="5400">
-                <a:latin typeface="CF Samurai Bob" pitchFamily="2" charset="0"/>
-              </a:rPr>
-              <a:t>-Yao </a:t>
-            </a:r>
-            <a:r>
-              <a:rPr lang="en-NZ" sz="5400">
-                <a:latin typeface="CF Samurai Bob" pitchFamily="2" charset="0"/>
-              </a:rPr>
-              <a:t>Hong </a:t>
-            </a:r>
-            <a:r>
-              <a:rPr lang="en-NZ" sz="5400" smtClean="0">
+              <a:rPr lang="en-NZ" sz="5400" dirty="0">
+                <a:latin typeface="CF Samurai Bob" pitchFamily="2" charset="0"/>
+              </a:rPr>
+              <a:t>-Yao Hong </a:t>
+            </a:r>
+            <a:r>
+              <a:rPr lang="en-NZ" sz="5400" dirty="0" smtClean="0">
                 <a:latin typeface="CF Samurai Bob" pitchFamily="2" charset="0"/>
               </a:rPr>
               <a:t>Chun</a:t>
             </a:r>
-            <a:endParaRPr lang="en-NZ" sz="5400" dirty="0" smtClean="0">
-              <a:latin typeface="CF Samurai Bob" pitchFamily="2" charset="0"/>
-            </a:endParaRPr>
           </a:p>
           <a:p>
             <a:r>
@@ -3663,9 +3750,9 @@
           </a:stretch>
         </p:blipFill>
         <p:spPr bwMode="auto">
-          <a:xfrm>
-            <a:off x="5912830" y="2420888"/>
-            <a:ext cx="2939819" cy="2204864"/>
+          <a:xfrm rot="1010169">
+            <a:off x="4879617" y="1782245"/>
+            <a:ext cx="4547721" cy="3410790"/>
           </a:xfrm>
           <a:prstGeom prst="ellipse">
             <a:avLst/>
@@ -3734,44 +3821,47 @@
           <a:chExt cx="0" cy="0"/>
         </a:xfrm>
       </p:grpSpPr>
-      <p:sp>
-        <p:nvSpPr>
-          <p:cNvPr id="2" name="Title 1"/>
-          <p:cNvSpPr>
-            <a:spLocks noGrp="1"/>
-          </p:cNvSpPr>
-          <p:nvPr>
-            <p:ph type="ctrTitle"/>
-          </p:nvPr>
-        </p:nvSpPr>
-        <p:spPr/>
-        <p:txBody>
-          <a:bodyPr/>
-          <a:lstStyle/>
-          <a:p>
-            <a:endParaRPr lang="en-GB" dirty="0"/>
-          </a:p>
-        </p:txBody>
-      </p:sp>
-      <p:sp>
-        <p:nvSpPr>
-          <p:cNvPr id="3" name="Subtitle 2"/>
-          <p:cNvSpPr>
-            <a:spLocks noGrp="1"/>
-          </p:cNvSpPr>
-          <p:nvPr>
-            <p:ph type="subTitle" idx="1"/>
-          </p:nvPr>
-        </p:nvSpPr>
-        <p:spPr/>
-        <p:txBody>
-          <a:bodyPr/>
-          <a:lstStyle/>
-          <a:p>
-            <a:endParaRPr lang="en-GB" dirty="0"/>
-          </a:p>
-        </p:txBody>
-      </p:sp>
+      <p:pic>
+        <p:nvPicPr>
+          <p:cNvPr id="2052" name="Picture 4" descr="F:\code\PixelJam2014\Assets\COMBINEBORGSlogo.png"/>
+          <p:cNvPicPr>
+            <a:picLocks noChangeAspect="1" noChangeArrowheads="1"/>
+          </p:cNvPicPr>
+          <p:nvPr/>
+        </p:nvPicPr>
+        <p:blipFill>
+          <a:blip r:embed="rId2">
+            <a:extLst>
+              <a:ext uri="{28A0092B-C50C-407E-A947-70E740481C1C}">
+                <a14:useLocalDpi xmlns:a14="http://schemas.microsoft.com/office/drawing/2010/main" val="0"/>
+              </a:ext>
+            </a:extLst>
+          </a:blip>
+          <a:srcRect/>
+          <a:stretch>
+            <a:fillRect/>
+          </a:stretch>
+        </p:blipFill>
+        <p:spPr bwMode="auto">
+          <a:xfrm>
+            <a:off x="-55556" y="620688"/>
+            <a:ext cx="9985109" cy="5616624"/>
+          </a:xfrm>
+          <a:prstGeom prst="rect">
+            <a:avLst/>
+          </a:prstGeom>
+          <a:noFill/>
+          <a:extLst>
+            <a:ext uri="{909E8E84-426E-40DD-AFC4-6F175D3DCCD1}">
+              <a14:hiddenFill xmlns:a14="http://schemas.microsoft.com/office/drawing/2010/main">
+                <a:solidFill>
+                  <a:srgbClr val="FFFFFF"/>
+                </a:solidFill>
+              </a14:hiddenFill>
+            </a:ext>
+          </a:extLst>
+        </p:spPr>
+      </p:pic>
     </p:spTree>
     <p:extLst>
       <p:ext uri="{BB962C8B-B14F-4D97-AF65-F5344CB8AC3E}">
@@ -3898,13 +3988,42 @@
           <a:p>
             <a:pPr algn="ctr"/>
             <a:r>
-              <a:rPr lang="en-NZ" sz="8800" dirty="0" smtClean="0">
-                <a:solidFill>
-                  <a:srgbClr val="C00000"/>
-                </a:solidFill>
+              <a:rPr lang="en-NZ" sz="8800" dirty="0" err="1" smtClean="0">
+                <a:ln w="1905"/>
+                <a:gradFill>
+                  <a:gsLst>
+                    <a:gs pos="0">
+                      <a:schemeClr val="accent6">
+                        <a:shade val="20000"/>
+                        <a:satMod val="200000"/>
+                      </a:schemeClr>
+                    </a:gs>
+                    <a:gs pos="78000">
+                      <a:schemeClr val="accent6">
+                        <a:tint val="90000"/>
+                        <a:shade val="89000"/>
+                        <a:satMod val="220000"/>
+                      </a:schemeClr>
+                    </a:gs>
+                    <a:gs pos="100000">
+                      <a:schemeClr val="accent6">
+                        <a:tint val="12000"/>
+                        <a:satMod val="255000"/>
+                      </a:schemeClr>
+                    </a:gs>
+                  </a:gsLst>
+                  <a:lin ang="5400000"/>
+                </a:gradFill>
+                <a:effectLst>
+                  <a:innerShdw blurRad="69850" dist="43180" dir="5400000">
+                    <a:srgbClr val="000000">
+                      <a:alpha val="65000"/>
+                    </a:srgbClr>
+                  </a:innerShdw>
+                </a:effectLst>
                 <a:latin typeface="Gang of Three" panose="02000000000000000000" pitchFamily="2" charset="0"/>
               </a:rPr>
-              <a:t>title</a:t>
+              <a:t>combineborgs</a:t>
             </a:r>
             <a:endParaRPr lang="en-GB" sz="8800" dirty="0">
               <a:solidFill>
@@ -4066,12 +4185,41 @@
             <a:pPr algn="ctr"/>
             <a:r>
               <a:rPr lang="en-NZ" sz="8800" dirty="0" smtClean="0">
-                <a:solidFill>
-                  <a:srgbClr val="C00000"/>
-                </a:solidFill>
+                <a:ln w="1905"/>
+                <a:gradFill>
+                  <a:gsLst>
+                    <a:gs pos="0">
+                      <a:schemeClr val="accent6">
+                        <a:shade val="20000"/>
+                        <a:satMod val="200000"/>
+                      </a:schemeClr>
+                    </a:gs>
+                    <a:gs pos="78000">
+                      <a:schemeClr val="accent6">
+                        <a:tint val="90000"/>
+                        <a:shade val="89000"/>
+                        <a:satMod val="220000"/>
+                      </a:schemeClr>
+                    </a:gs>
+                    <a:gs pos="100000">
+                      <a:schemeClr val="accent6">
+                        <a:tint val="12000"/>
+                        <a:satMod val="255000"/>
+                      </a:schemeClr>
+                    </a:gs>
+                  </a:gsLst>
+                  <a:lin ang="5400000"/>
+                </a:gradFill>
+                <a:effectLst>
+                  <a:innerShdw blurRad="69850" dist="43180" dir="5400000">
+                    <a:srgbClr val="000000">
+                      <a:alpha val="65000"/>
+                    </a:srgbClr>
+                  </a:innerShdw>
+                </a:effectLst>
                 <a:latin typeface="Gang of Three" panose="02000000000000000000" pitchFamily="2" charset="0"/>
               </a:rPr>
-              <a:t>Combat</a:t>
+              <a:t>combat</a:t>
             </a:r>
             <a:endParaRPr lang="en-GB" sz="8800" dirty="0">
               <a:solidFill>
@@ -4291,9 +4439,38 @@
             <a:pPr algn="ctr"/>
             <a:r>
               <a:rPr lang="en-NZ" sz="8800" dirty="0" smtClean="0">
-                <a:solidFill>
-                  <a:srgbClr val="C00000"/>
-                </a:solidFill>
+                <a:ln w="1905"/>
+                <a:gradFill>
+                  <a:gsLst>
+                    <a:gs pos="0">
+                      <a:schemeClr val="accent6">
+                        <a:shade val="20000"/>
+                        <a:satMod val="200000"/>
+                      </a:schemeClr>
+                    </a:gs>
+                    <a:gs pos="78000">
+                      <a:schemeClr val="accent6">
+                        <a:tint val="90000"/>
+                        <a:shade val="89000"/>
+                        <a:satMod val="220000"/>
+                      </a:schemeClr>
+                    </a:gs>
+                    <a:gs pos="100000">
+                      <a:schemeClr val="accent6">
+                        <a:tint val="12000"/>
+                        <a:satMod val="255000"/>
+                      </a:schemeClr>
+                    </a:gs>
+                  </a:gsLst>
+                  <a:lin ang="5400000"/>
+                </a:gradFill>
+                <a:effectLst>
+                  <a:innerShdw blurRad="69850" dist="43180" dir="5400000">
+                    <a:srgbClr val="000000">
+                      <a:alpha val="65000"/>
+                    </a:srgbClr>
+                  </a:innerShdw>
+                </a:effectLst>
                 <a:latin typeface="Gang of Three" panose="02000000000000000000" pitchFamily="2" charset="0"/>
               </a:rPr>
               <a:t>Bases</a:t>
@@ -4456,9 +4633,38 @@
             <a:pPr algn="ctr"/>
             <a:r>
               <a:rPr lang="en-NZ" sz="8800" dirty="0" smtClean="0">
-                <a:solidFill>
-                  <a:srgbClr val="C00000"/>
-                </a:solidFill>
+                <a:ln w="1905"/>
+                <a:gradFill>
+                  <a:gsLst>
+                    <a:gs pos="0">
+                      <a:schemeClr val="accent6">
+                        <a:shade val="20000"/>
+                        <a:satMod val="200000"/>
+                      </a:schemeClr>
+                    </a:gs>
+                    <a:gs pos="78000">
+                      <a:schemeClr val="accent6">
+                        <a:tint val="90000"/>
+                        <a:shade val="89000"/>
+                        <a:satMod val="220000"/>
+                      </a:schemeClr>
+                    </a:gs>
+                    <a:gs pos="100000">
+                      <a:schemeClr val="accent6">
+                        <a:tint val="12000"/>
+                        <a:satMod val="255000"/>
+                      </a:schemeClr>
+                    </a:gs>
+                  </a:gsLst>
+                  <a:lin ang="5400000"/>
+                </a:gradFill>
+                <a:effectLst>
+                  <a:innerShdw blurRad="69850" dist="43180" dir="5400000">
+                    <a:srgbClr val="000000">
+                      <a:alpha val="65000"/>
+                    </a:srgbClr>
+                  </a:innerShdw>
+                </a:effectLst>
                 <a:latin typeface="Gang of Three" panose="02000000000000000000" pitchFamily="2" charset="0"/>
               </a:rPr>
               <a:t>Two Teams</a:t>
@@ -4512,23 +4718,62 @@
             <p:ph type="title"/>
           </p:nvPr>
         </p:nvSpPr>
-        <p:spPr/>
+        <p:spPr>
+          <a:xfrm>
+            <a:off x="488504" y="260648"/>
+            <a:ext cx="8915400" cy="1143000"/>
+          </a:xfrm>
+        </p:spPr>
         <p:txBody>
           <a:bodyPr>
-            <a:normAutofit fontScale="90000"/>
+            <a:noAutofit/>
           </a:bodyPr>
           <a:lstStyle/>
           <a:p>
             <a:r>
               <a:rPr lang="en-NZ" sz="7900" dirty="0" smtClean="0">
-                <a:solidFill>
-                  <a:srgbClr val="C00000"/>
-                </a:solidFill>
+                <a:ln w="1905"/>
+                <a:gradFill>
+                  <a:gsLst>
+                    <a:gs pos="0">
+                      <a:schemeClr val="accent6">
+                        <a:shade val="20000"/>
+                        <a:satMod val="200000"/>
+                      </a:schemeClr>
+                    </a:gs>
+                    <a:gs pos="78000">
+                      <a:schemeClr val="accent6">
+                        <a:tint val="90000"/>
+                        <a:shade val="89000"/>
+                        <a:satMod val="220000"/>
+                      </a:schemeClr>
+                    </a:gs>
+                    <a:gs pos="100000">
+                      <a:schemeClr val="accent6">
+                        <a:tint val="12000"/>
+                        <a:satMod val="255000"/>
+                      </a:schemeClr>
+                    </a:gs>
+                  </a:gsLst>
+                  <a:lin ang="5400000"/>
+                </a:gradFill>
+                <a:effectLst>
+                  <a:innerShdw blurRad="69850" dist="43180" dir="5400000">
+                    <a:srgbClr val="000000">
+                      <a:alpha val="65000"/>
+                    </a:srgbClr>
+                  </a:innerShdw>
+                </a:effectLst>
                 <a:latin typeface="Gang of Three" panose="02000000000000000000" pitchFamily="2" charset="0"/>
               </a:rPr>
-              <a:t>Controls</a:t>
-            </a:r>
-            <a:endParaRPr lang="en-GB" sz="7900" dirty="0"/>
+              <a:t>controls</a:t>
+            </a:r>
+            <a:endParaRPr lang="en-GB" sz="7900" dirty="0">
+              <a:solidFill>
+                <a:srgbClr val="C00000"/>
+              </a:solidFill>
+              <a:latin typeface="Gang of Three" panose="02000000000000000000" pitchFamily="2" charset="0"/>
+            </a:endParaRPr>
           </a:p>
         </p:txBody>
       </p:sp>
@@ -4685,18 +4930,47 @@
         <p:spPr/>
         <p:txBody>
           <a:bodyPr>
-            <a:normAutofit fontScale="90000"/>
+            <a:noAutofit/>
           </a:bodyPr>
           <a:lstStyle/>
           <a:p>
             <a:r>
-              <a:rPr lang="en-NZ" sz="7900" dirty="0" smtClean="0">
-                <a:solidFill>
-                  <a:srgbClr val="C00000"/>
-                </a:solidFill>
+              <a:rPr lang="en-NZ" sz="7900" dirty="0">
+                <a:ln w="1905"/>
+                <a:gradFill>
+                  <a:gsLst>
+                    <a:gs pos="0">
+                      <a:schemeClr val="accent6">
+                        <a:shade val="20000"/>
+                        <a:satMod val="200000"/>
+                      </a:schemeClr>
+                    </a:gs>
+                    <a:gs pos="78000">
+                      <a:schemeClr val="accent6">
+                        <a:tint val="90000"/>
+                        <a:shade val="89000"/>
+                        <a:satMod val="220000"/>
+                      </a:schemeClr>
+                    </a:gs>
+                    <a:gs pos="100000">
+                      <a:schemeClr val="accent6">
+                        <a:tint val="12000"/>
+                        <a:satMod val="255000"/>
+                      </a:schemeClr>
+                    </a:gs>
+                  </a:gsLst>
+                  <a:lin ang="5400000"/>
+                </a:gradFill>
+                <a:effectLst>
+                  <a:innerShdw blurRad="69850" dist="43180" dir="5400000">
+                    <a:srgbClr val="000000">
+                      <a:alpha val="65000"/>
+                    </a:srgbClr>
+                  </a:innerShdw>
+                </a:effectLst>
                 <a:latin typeface="Gang of Three" panose="02000000000000000000" pitchFamily="2" charset="0"/>
               </a:rPr>
-              <a:t>Controls</a:t>
+              <a:t>controls</a:t>
             </a:r>
             <a:endParaRPr lang="en-GB" sz="7900" dirty="0"/>
           </a:p>
@@ -4857,18 +5131,47 @@
         <p:spPr/>
         <p:txBody>
           <a:bodyPr>
-            <a:normAutofit fontScale="90000"/>
+            <a:noAutofit/>
           </a:bodyPr>
           <a:lstStyle/>
           <a:p>
             <a:r>
-              <a:rPr lang="en-NZ" sz="7900" dirty="0" smtClean="0">
-                <a:solidFill>
-                  <a:srgbClr val="C00000"/>
-                </a:solidFill>
+              <a:rPr lang="en-NZ" sz="7900" dirty="0">
+                <a:ln w="1905"/>
+                <a:gradFill>
+                  <a:gsLst>
+                    <a:gs pos="0">
+                      <a:schemeClr val="accent6">
+                        <a:shade val="20000"/>
+                        <a:satMod val="200000"/>
+                      </a:schemeClr>
+                    </a:gs>
+                    <a:gs pos="78000">
+                      <a:schemeClr val="accent6">
+                        <a:tint val="90000"/>
+                        <a:shade val="89000"/>
+                        <a:satMod val="220000"/>
+                      </a:schemeClr>
+                    </a:gs>
+                    <a:gs pos="100000">
+                      <a:schemeClr val="accent6">
+                        <a:tint val="12000"/>
+                        <a:satMod val="255000"/>
+                      </a:schemeClr>
+                    </a:gs>
+                  </a:gsLst>
+                  <a:lin ang="5400000"/>
+                </a:gradFill>
+                <a:effectLst>
+                  <a:innerShdw blurRad="69850" dist="43180" dir="5400000">
+                    <a:srgbClr val="000000">
+                      <a:alpha val="65000"/>
+                    </a:srgbClr>
+                  </a:innerShdw>
+                </a:effectLst>
                 <a:latin typeface="Gang of Three" panose="02000000000000000000" pitchFamily="2" charset="0"/>
               </a:rPr>
-              <a:t>Controls</a:t>
+              <a:t>controls</a:t>
             </a:r>
             <a:endParaRPr lang="en-GB" sz="7900" dirty="0"/>
           </a:p>
